--- a/presentation.pptx
+++ b/presentation.pptx
@@ -110,6 +110,11 @@
       </a:defRPr>
     </a:lvl9pPr>
   </p:defaultTextStyle>
+  <p:extLst>
+    <p:ext uri="{EFAFB233-063F-42B5-8137-9DF3F51BA10A}">
+      <p15:sldGuideLst xmlns:p15="http://schemas.microsoft.com/office/powerpoint/2012/main"/>
+    </p:ext>
+  </p:extLst>
 </p:presentation>
 </file>
 
@@ -283,7 +288,7 @@
             <a:fld id="{87DE6118-2437-4B30-8E3C-4D2BE6020583}" type="datetimeFigureOut">
               <a:rPr lang="en-US" dirty="0"/>
               <a:pPr/>
-              <a:t>3/30/2018</a:t>
+              <a:t>30/03/2018</a:t>
             </a:fld>
             <a:endParaRPr lang="en-US" dirty="0"/>
           </a:p>
@@ -609,7 +614,7 @@
           <a:p>
             <a:fld id="{87DE6118-2437-4B30-8E3C-4D2BE6020583}" type="datetimeFigureOut">
               <a:rPr lang="en-US" dirty="0"/>
-              <a:t>3/30/2018</a:t>
+              <a:t>30/03/2018</a:t>
             </a:fld>
             <a:endParaRPr lang="en-US" dirty="0"/>
           </a:p>
@@ -784,7 +789,7 @@
           <a:p>
             <a:fld id="{87DE6118-2437-4B30-8E3C-4D2BE6020583}" type="datetimeFigureOut">
               <a:rPr lang="en-US" dirty="0"/>
-              <a:t>3/30/2018</a:t>
+              <a:t>30/03/2018</a:t>
             </a:fld>
             <a:endParaRPr lang="en-US" dirty="0"/>
           </a:p>
@@ -949,7 +954,7 @@
           <a:p>
             <a:fld id="{87DE6118-2437-4B30-8E3C-4D2BE6020583}" type="datetimeFigureOut">
               <a:rPr lang="en-US" dirty="0"/>
-              <a:t>3/30/2018</a:t>
+              <a:t>30/03/2018</a:t>
             </a:fld>
             <a:endParaRPr lang="en-US" dirty="0"/>
           </a:p>
@@ -1222,7 +1227,7 @@
             <a:fld id="{87DE6118-2437-4B30-8E3C-4D2BE6020583}" type="datetimeFigureOut">
               <a:rPr lang="en-US" dirty="0"/>
               <a:pPr/>
-              <a:t>3/30/2018</a:t>
+              <a:t>30/03/2018</a:t>
             </a:fld>
             <a:endParaRPr lang="en-US" dirty="0"/>
           </a:p>
@@ -1612,7 +1617,7 @@
           <a:p>
             <a:fld id="{87DE6118-2437-4B30-8E3C-4D2BE6020583}" type="datetimeFigureOut">
               <a:rPr lang="en-US" dirty="0"/>
-              <a:t>3/30/2018</a:t>
+              <a:t>30/03/2018</a:t>
             </a:fld>
             <a:endParaRPr lang="en-US" dirty="0"/>
           </a:p>
@@ -2084,7 +2089,7 @@
           <a:p>
             <a:fld id="{87DE6118-2437-4B30-8E3C-4D2BE6020583}" type="datetimeFigureOut">
               <a:rPr lang="en-US" dirty="0"/>
-              <a:t>3/30/2018</a:t>
+              <a:t>30/03/2018</a:t>
             </a:fld>
             <a:endParaRPr lang="en-US" dirty="0"/>
           </a:p>
@@ -2197,7 +2202,7 @@
           <a:p>
             <a:fld id="{87DE6118-2437-4B30-8E3C-4D2BE6020583}" type="datetimeFigureOut">
               <a:rPr lang="en-US" dirty="0"/>
-              <a:t>3/30/2018</a:t>
+              <a:t>30/03/2018</a:t>
             </a:fld>
             <a:endParaRPr lang="en-US" dirty="0"/>
           </a:p>
@@ -2287,7 +2292,7 @@
           <a:p>
             <a:fld id="{87DE6118-2437-4B30-8E3C-4D2BE6020583}" type="datetimeFigureOut">
               <a:rPr lang="en-US" dirty="0"/>
-              <a:t>3/30/2018</a:t>
+              <a:t>30/03/2018</a:t>
             </a:fld>
             <a:endParaRPr lang="en-US" dirty="0"/>
           </a:p>
@@ -2629,7 +2634,7 @@
             <a:fld id="{87DE6118-2437-4B30-8E3C-4D2BE6020583}" type="datetimeFigureOut">
               <a:rPr lang="en-US" dirty="0"/>
               <a:pPr/>
-              <a:t>3/30/2018</a:t>
+              <a:t>30/03/2018</a:t>
             </a:fld>
             <a:endParaRPr lang="en-US" dirty="0"/>
           </a:p>
@@ -3014,7 +3019,7 @@
             <a:fld id="{87DE6118-2437-4B30-8E3C-4D2BE6020583}" type="datetimeFigureOut">
               <a:rPr lang="en-US" dirty="0"/>
               <a:pPr/>
-              <a:t>3/30/2018</a:t>
+              <a:t>30/03/2018</a:t>
             </a:fld>
             <a:endParaRPr lang="en-US" dirty="0"/>
           </a:p>
@@ -3289,7 +3294,7 @@
             <a:fld id="{87DE6118-2437-4B30-8E3C-4D2BE6020583}" type="datetimeFigureOut">
               <a:rPr lang="en-US" dirty="0"/>
               <a:pPr/>
-              <a:t>3/30/2018</a:t>
+              <a:t>30/03/2018</a:t>
             </a:fld>
             <a:endParaRPr lang="en-US" dirty="0"/>
           </a:p>
@@ -4020,6 +4025,36 @@
           </a:ln>
         </p:spPr>
       </p:pic>
+      <p:sp>
+        <p:nvSpPr>
+          <p:cNvPr id="3" name="TextBox 2"/>
+          <p:cNvSpPr txBox="1"/>
+          <p:nvPr/>
+        </p:nvSpPr>
+        <p:spPr>
+          <a:xfrm>
+            <a:off x="1325218" y="115910"/>
+            <a:ext cx="3000778" cy="646331"/>
+          </a:xfrm>
+          <a:prstGeom prst="rect">
+            <a:avLst/>
+          </a:prstGeom>
+          <a:noFill/>
+        </p:spPr>
+        <p:txBody>
+          <a:bodyPr wrap="square" rtlCol="0">
+            <a:spAutoFit/>
+          </a:bodyPr>
+          <a:lstStyle/>
+          <a:p>
+            <a:r>
+              <a:rPr lang="en-US" sz="3600" dirty="0" smtClean="0"/>
+              <a:t>E-R Diagram</a:t>
+            </a:r>
+            <a:endParaRPr lang="en-US" sz="3600" dirty="0"/>
+          </a:p>
+        </p:txBody>
+      </p:sp>
     </p:spTree>
     <p:extLst>
       <p:ext uri="{BB962C8B-B14F-4D97-AF65-F5344CB8AC3E}">
@@ -4074,6 +4109,36 @@
           </a:prstGeom>
         </p:spPr>
       </p:pic>
+      <p:sp>
+        <p:nvSpPr>
+          <p:cNvPr id="2" name="TextBox 1"/>
+          <p:cNvSpPr txBox="1"/>
+          <p:nvPr/>
+        </p:nvSpPr>
+        <p:spPr>
+          <a:xfrm>
+            <a:off x="1068240" y="141667"/>
+            <a:ext cx="5100740" cy="523220"/>
+          </a:xfrm>
+          <a:prstGeom prst="rect">
+            <a:avLst/>
+          </a:prstGeom>
+          <a:noFill/>
+        </p:spPr>
+        <p:txBody>
+          <a:bodyPr wrap="square" rtlCol="0">
+            <a:spAutoFit/>
+          </a:bodyPr>
+          <a:lstStyle/>
+          <a:p>
+            <a:r>
+              <a:rPr lang="en-US" sz="2800" dirty="0" smtClean="0"/>
+              <a:t>Use Case Diagram for Customer</a:t>
+            </a:r>
+            <a:endParaRPr lang="en-US" sz="2800" dirty="0"/>
+          </a:p>
+        </p:txBody>
+      </p:sp>
     </p:spTree>
     <p:extLst>
       <p:ext uri="{BB962C8B-B14F-4D97-AF65-F5344CB8AC3E}">
@@ -4128,6 +4193,39 @@
           </a:prstGeom>
         </p:spPr>
       </p:pic>
+      <p:sp>
+        <p:nvSpPr>
+          <p:cNvPr id="2" name="Rectangle 1"/>
+          <p:cNvSpPr/>
+          <p:nvPr/>
+        </p:nvSpPr>
+        <p:spPr>
+          <a:xfrm>
+            <a:off x="1273431" y="357726"/>
+            <a:ext cx="6659195" cy="523220"/>
+          </a:xfrm>
+          <a:prstGeom prst="rect">
+            <a:avLst/>
+          </a:prstGeom>
+        </p:spPr>
+        <p:txBody>
+          <a:bodyPr wrap="none">
+            <a:spAutoFit/>
+          </a:bodyPr>
+          <a:lstStyle/>
+          <a:p>
+            <a:r>
+              <a:rPr lang="en-US" sz="2800" dirty="0"/>
+              <a:t>Use Case Diagram for </a:t>
+            </a:r>
+            <a:r>
+              <a:rPr lang="en-US" sz="2800" dirty="0" smtClean="0"/>
+              <a:t>Restaurant Manager</a:t>
+            </a:r>
+            <a:endParaRPr lang="en-US" sz="2800" dirty="0"/>
+          </a:p>
+        </p:txBody>
+      </p:sp>
     </p:spTree>
     <p:extLst>
       <p:ext uri="{BB962C8B-B14F-4D97-AF65-F5344CB8AC3E}">
@@ -4182,6 +4280,39 @@
           </a:prstGeom>
         </p:spPr>
       </p:pic>
+      <p:sp>
+        <p:nvSpPr>
+          <p:cNvPr id="2" name="Rectangle 1"/>
+          <p:cNvSpPr/>
+          <p:nvPr/>
+        </p:nvSpPr>
+        <p:spPr>
+          <a:xfrm>
+            <a:off x="1644050" y="423861"/>
+            <a:ext cx="5450275" cy="523220"/>
+          </a:xfrm>
+          <a:prstGeom prst="rect">
+            <a:avLst/>
+          </a:prstGeom>
+        </p:spPr>
+        <p:txBody>
+          <a:bodyPr wrap="none">
+            <a:spAutoFit/>
+          </a:bodyPr>
+          <a:lstStyle/>
+          <a:p>
+            <a:r>
+              <a:rPr lang="en-US" sz="2800" dirty="0"/>
+              <a:t>Use Case Diagram for </a:t>
+            </a:r>
+            <a:r>
+              <a:rPr lang="en-US" sz="2800" dirty="0" smtClean="0"/>
+              <a:t>Bill Manager</a:t>
+            </a:r>
+            <a:endParaRPr lang="en-US" sz="2800" dirty="0"/>
+          </a:p>
+        </p:txBody>
+      </p:sp>
     </p:spTree>
     <p:extLst>
       <p:ext uri="{BB962C8B-B14F-4D97-AF65-F5344CB8AC3E}">

--- a/presentation.pptx
+++ b/presentation.pptx
@@ -6,12 +6,10 @@
   </p:sldMasterIdLst>
   <p:sldIdLst>
     <p:sldId id="256" r:id="rId2"/>
-    <p:sldId id="257" r:id="rId3"/>
-    <p:sldId id="258" r:id="rId4"/>
-    <p:sldId id="259" r:id="rId5"/>
-    <p:sldId id="260" r:id="rId6"/>
-    <p:sldId id="261" r:id="rId7"/>
-    <p:sldId id="262" r:id="rId8"/>
+    <p:sldId id="258" r:id="rId3"/>
+    <p:sldId id="259" r:id="rId4"/>
+    <p:sldId id="260" r:id="rId5"/>
+    <p:sldId id="261" r:id="rId6"/>
   </p:sldIdLst>
   <p:sldSz cx="12192000" cy="6858000"/>
   <p:notesSz cx="6858000" cy="9144000"/>
@@ -288,7 +286,7 @@
             <a:fld id="{87DE6118-2437-4B30-8E3C-4D2BE6020583}" type="datetimeFigureOut">
               <a:rPr lang="en-US" dirty="0"/>
               <a:pPr/>
-              <a:t>30/03/2018</a:t>
+              <a:t>3/30/2018</a:t>
             </a:fld>
             <a:endParaRPr lang="en-US" dirty="0"/>
           </a:p>
@@ -614,7 +612,7 @@
           <a:p>
             <a:fld id="{87DE6118-2437-4B30-8E3C-4D2BE6020583}" type="datetimeFigureOut">
               <a:rPr lang="en-US" dirty="0"/>
-              <a:t>30/03/2018</a:t>
+              <a:t>3/30/2018</a:t>
             </a:fld>
             <a:endParaRPr lang="en-US" dirty="0"/>
           </a:p>
@@ -789,7 +787,7 @@
           <a:p>
             <a:fld id="{87DE6118-2437-4B30-8E3C-4D2BE6020583}" type="datetimeFigureOut">
               <a:rPr lang="en-US" dirty="0"/>
-              <a:t>30/03/2018</a:t>
+              <a:t>3/30/2018</a:t>
             </a:fld>
             <a:endParaRPr lang="en-US" dirty="0"/>
           </a:p>
@@ -954,7 +952,7 @@
           <a:p>
             <a:fld id="{87DE6118-2437-4B30-8E3C-4D2BE6020583}" type="datetimeFigureOut">
               <a:rPr lang="en-US" dirty="0"/>
-              <a:t>30/03/2018</a:t>
+              <a:t>3/30/2018</a:t>
             </a:fld>
             <a:endParaRPr lang="en-US" dirty="0"/>
           </a:p>
@@ -1227,7 +1225,7 @@
             <a:fld id="{87DE6118-2437-4B30-8E3C-4D2BE6020583}" type="datetimeFigureOut">
               <a:rPr lang="en-US" dirty="0"/>
               <a:pPr/>
-              <a:t>30/03/2018</a:t>
+              <a:t>3/30/2018</a:t>
             </a:fld>
             <a:endParaRPr lang="en-US" dirty="0"/>
           </a:p>
@@ -1617,7 +1615,7 @@
           <a:p>
             <a:fld id="{87DE6118-2437-4B30-8E3C-4D2BE6020583}" type="datetimeFigureOut">
               <a:rPr lang="en-US" dirty="0"/>
-              <a:t>30/03/2018</a:t>
+              <a:t>3/30/2018</a:t>
             </a:fld>
             <a:endParaRPr lang="en-US" dirty="0"/>
           </a:p>
@@ -2089,7 +2087,7 @@
           <a:p>
             <a:fld id="{87DE6118-2437-4B30-8E3C-4D2BE6020583}" type="datetimeFigureOut">
               <a:rPr lang="en-US" dirty="0"/>
-              <a:t>30/03/2018</a:t>
+              <a:t>3/30/2018</a:t>
             </a:fld>
             <a:endParaRPr lang="en-US" dirty="0"/>
           </a:p>
@@ -2202,7 +2200,7 @@
           <a:p>
             <a:fld id="{87DE6118-2437-4B30-8E3C-4D2BE6020583}" type="datetimeFigureOut">
               <a:rPr lang="en-US" dirty="0"/>
-              <a:t>30/03/2018</a:t>
+              <a:t>3/30/2018</a:t>
             </a:fld>
             <a:endParaRPr lang="en-US" dirty="0"/>
           </a:p>
@@ -2292,7 +2290,7 @@
           <a:p>
             <a:fld id="{87DE6118-2437-4B30-8E3C-4D2BE6020583}" type="datetimeFigureOut">
               <a:rPr lang="en-US" dirty="0"/>
-              <a:t>30/03/2018</a:t>
+              <a:t>3/30/2018</a:t>
             </a:fld>
             <a:endParaRPr lang="en-US" dirty="0"/>
           </a:p>
@@ -2634,7 +2632,7 @@
             <a:fld id="{87DE6118-2437-4B30-8E3C-4D2BE6020583}" type="datetimeFigureOut">
               <a:rPr lang="en-US" dirty="0"/>
               <a:pPr/>
-              <a:t>30/03/2018</a:t>
+              <a:t>3/30/2018</a:t>
             </a:fld>
             <a:endParaRPr lang="en-US" dirty="0"/>
           </a:p>
@@ -3019,7 +3017,7 @@
             <a:fld id="{87DE6118-2437-4B30-8E3C-4D2BE6020583}" type="datetimeFigureOut">
               <a:rPr lang="en-US" dirty="0"/>
               <a:pPr/>
-              <a:t>30/03/2018</a:t>
+              <a:t>3/30/2018</a:t>
             </a:fld>
             <a:endParaRPr lang="en-US" dirty="0"/>
           </a:p>
@@ -3294,7 +3292,7 @@
             <a:fld id="{87DE6118-2437-4B30-8E3C-4D2BE6020583}" type="datetimeFigureOut">
               <a:rPr lang="en-US" dirty="0"/>
               <a:pPr/>
-              <a:t>30/03/2018</a:t>
+              <a:t>3/30/2018</a:t>
             </a:fld>
             <a:endParaRPr lang="en-US" dirty="0"/>
           </a:p>
@@ -3848,7 +3846,37 @@
           <a:bodyPr/>
           <a:lstStyle/>
           <a:p>
-            <a:endParaRPr lang="en-US"/>
+            <a:r>
+              <a:rPr lang="en-US" dirty="0" smtClean="0"/>
+              <a:t>Made by </a:t>
+            </a:r>
+          </a:p>
+          <a:p>
+            <a:r>
+              <a:rPr lang="en-US" dirty="0" smtClean="0"/>
+              <a:t>Rahul </a:t>
+            </a:r>
+            <a:r>
+              <a:rPr lang="en-US" dirty="0"/>
+              <a:t>P</a:t>
+            </a:r>
+            <a:r>
+              <a:rPr lang="en-US" dirty="0" smtClean="0"/>
+              <a:t>atra &amp; </a:t>
+            </a:r>
+            <a:r>
+              <a:rPr lang="en-US" dirty="0" err="1" smtClean="0"/>
+              <a:t>Vedant</a:t>
+            </a:r>
+            <a:r>
+              <a:rPr lang="en-US" dirty="0" smtClean="0"/>
+              <a:t> </a:t>
+            </a:r>
+            <a:r>
+              <a:rPr lang="en-US" dirty="0" err="1" smtClean="0"/>
+              <a:t>Parab</a:t>
+            </a:r>
+            <a:endParaRPr lang="en-US" dirty="0"/>
           </a:p>
         </p:txBody>
       </p:sp>
@@ -3866,116 +3894,6 @@
 </file>
 
 <file path=ppt/slides/slide2.xml><?xml version="1.0" encoding="utf-8"?>
-<p:sld xmlns:a="http://schemas.openxmlformats.org/drawingml/2006/main" xmlns:r="http://schemas.openxmlformats.org/officeDocument/2006/relationships" xmlns:p="http://schemas.openxmlformats.org/presentationml/2006/main">
-  <p:cSld>
-    <p:spTree>
-      <p:nvGrpSpPr>
-        <p:cNvPr id="1" name=""/>
-        <p:cNvGrpSpPr/>
-        <p:nvPr/>
-      </p:nvGrpSpPr>
-      <p:grpSpPr>
-        <a:xfrm>
-          <a:off x="0" y="0"/>
-          <a:ext cx="0" cy="0"/>
-          <a:chOff x="0" y="0"/>
-          <a:chExt cx="0" cy="0"/>
-        </a:xfrm>
-      </p:grpSpPr>
-      <p:sp>
-        <p:nvSpPr>
-          <p:cNvPr id="2" name="Rectangle 1"/>
-          <p:cNvSpPr/>
-          <p:nvPr/>
-        </p:nvSpPr>
-        <p:spPr>
-          <a:xfrm>
-            <a:off x="1709529" y="662609"/>
-            <a:ext cx="9064487" cy="707886"/>
-          </a:xfrm>
-          <a:prstGeom prst="rect">
-            <a:avLst/>
-          </a:prstGeom>
-        </p:spPr>
-        <p:txBody>
-          <a:bodyPr wrap="square">
-            <a:spAutoFit/>
-          </a:bodyPr>
-          <a:lstStyle/>
-          <a:p>
-            <a:r>
-              <a:rPr lang="en-US" sz="4000" dirty="0" smtClean="0"/>
-              <a:t>Members: Rahul Patra , </a:t>
-            </a:r>
-            <a:r>
-              <a:rPr lang="en-US" sz="4000" dirty="0" err="1"/>
-              <a:t>Vedant</a:t>
-            </a:r>
-            <a:r>
-              <a:rPr lang="en-US" sz="4000" dirty="0"/>
-              <a:t> </a:t>
-            </a:r>
-            <a:r>
-              <a:rPr lang="en-US" sz="4000" dirty="0" err="1"/>
-              <a:t>Parab</a:t>
-            </a:r>
-            <a:r>
-              <a:rPr lang="en-US" sz="4000" dirty="0"/>
-              <a:t> </a:t>
-            </a:r>
-          </a:p>
-        </p:txBody>
-      </p:sp>
-      <p:sp>
-        <p:nvSpPr>
-          <p:cNvPr id="3" name="Rectangle 2"/>
-          <p:cNvSpPr/>
-          <p:nvPr/>
-        </p:nvSpPr>
-        <p:spPr>
-          <a:xfrm>
-            <a:off x="1709528" y="2160104"/>
-            <a:ext cx="5459897" cy="769441"/>
-          </a:xfrm>
-          <a:prstGeom prst="rect">
-            <a:avLst/>
-          </a:prstGeom>
-        </p:spPr>
-        <p:txBody>
-          <a:bodyPr wrap="square">
-            <a:spAutoFit/>
-          </a:bodyPr>
-          <a:lstStyle/>
-          <a:p>
-            <a:r>
-              <a:rPr lang="en-US" sz="4400" dirty="0"/>
-              <a:t>Topic: </a:t>
-            </a:r>
-            <a:r>
-              <a:rPr lang="en-US" sz="4400" dirty="0" smtClean="0"/>
-              <a:t>Food </a:t>
-            </a:r>
-            <a:r>
-              <a:rPr lang="en-US" sz="4400" dirty="0"/>
-              <a:t>HUB</a:t>
-            </a:r>
-          </a:p>
-        </p:txBody>
-      </p:sp>
-    </p:spTree>
-    <p:extLst>
-      <p:ext uri="{BB962C8B-B14F-4D97-AF65-F5344CB8AC3E}">
-        <p14:creationId xmlns:p14="http://schemas.microsoft.com/office/powerpoint/2010/main" val="2422764906"/>
-      </p:ext>
-    </p:extLst>
-  </p:cSld>
-  <p:clrMapOvr>
-    <a:masterClrMapping/>
-  </p:clrMapOvr>
-</p:sld>
-</file>
-
-<file path=ppt/slides/slide3.xml><?xml version="1.0" encoding="utf-8"?>
 <p:sld xmlns:a="http://schemas.openxmlformats.org/drawingml/2006/main" xmlns:r="http://schemas.openxmlformats.org/officeDocument/2006/relationships" xmlns:p="http://schemas.openxmlformats.org/presentationml/2006/main">
   <p:cSld>
     <p:spTree>
@@ -4068,7 +3986,7 @@
 </p:sld>
 </file>
 
-<file path=ppt/slides/slide4.xml><?xml version="1.0" encoding="utf-8"?>
+<file path=ppt/slides/slide3.xml><?xml version="1.0" encoding="utf-8"?>
 <p:sld xmlns:a="http://schemas.openxmlformats.org/drawingml/2006/main" xmlns:r="http://schemas.openxmlformats.org/officeDocument/2006/relationships" xmlns:p="http://schemas.openxmlformats.org/presentationml/2006/main">
   <p:cSld>
     <p:spTree>
@@ -4152,7 +4070,7 @@
 </p:sld>
 </file>
 
-<file path=ppt/slides/slide5.xml><?xml version="1.0" encoding="utf-8"?>
+<file path=ppt/slides/slide4.xml><?xml version="1.0" encoding="utf-8"?>
 <p:sld xmlns:a="http://schemas.openxmlformats.org/drawingml/2006/main" xmlns:r="http://schemas.openxmlformats.org/officeDocument/2006/relationships" xmlns:p="http://schemas.openxmlformats.org/presentationml/2006/main">
   <p:cSld>
     <p:spTree>
@@ -4239,7 +4157,7 @@
 </p:sld>
 </file>
 
-<file path=ppt/slides/slide6.xml><?xml version="1.0" encoding="utf-8"?>
+<file path=ppt/slides/slide5.xml><?xml version="1.0" encoding="utf-8"?>
 <p:sld xmlns:a="http://schemas.openxmlformats.org/drawingml/2006/main" xmlns:r="http://schemas.openxmlformats.org/officeDocument/2006/relationships" xmlns:p="http://schemas.openxmlformats.org/presentationml/2006/main">
   <p:cSld>
     <p:spTree>
@@ -4317,36 +4235,6 @@
     <p:extLst>
       <p:ext uri="{BB962C8B-B14F-4D97-AF65-F5344CB8AC3E}">
         <p14:creationId xmlns:p14="http://schemas.microsoft.com/office/powerpoint/2010/main" val="3408896007"/>
-      </p:ext>
-    </p:extLst>
-  </p:cSld>
-  <p:clrMapOvr>
-    <a:masterClrMapping/>
-  </p:clrMapOvr>
-</p:sld>
-</file>
-
-<file path=ppt/slides/slide7.xml><?xml version="1.0" encoding="utf-8"?>
-<p:sld xmlns:a="http://schemas.openxmlformats.org/drawingml/2006/main" xmlns:r="http://schemas.openxmlformats.org/officeDocument/2006/relationships" xmlns:p="http://schemas.openxmlformats.org/presentationml/2006/main">
-  <p:cSld>
-    <p:spTree>
-      <p:nvGrpSpPr>
-        <p:cNvPr id="1" name=""/>
-        <p:cNvGrpSpPr/>
-        <p:nvPr/>
-      </p:nvGrpSpPr>
-      <p:grpSpPr>
-        <a:xfrm>
-          <a:off x="0" y="0"/>
-          <a:ext cx="0" cy="0"/>
-          <a:chOff x="0" y="0"/>
-          <a:chExt cx="0" cy="0"/>
-        </a:xfrm>
-      </p:grpSpPr>
-    </p:spTree>
-    <p:extLst>
-      <p:ext uri="{BB962C8B-B14F-4D97-AF65-F5344CB8AC3E}">
-        <p14:creationId xmlns:p14="http://schemas.microsoft.com/office/powerpoint/2010/main" val="224318740"/>
       </p:ext>
     </p:extLst>
   </p:cSld>
